--- a/UNDER DEVELOPMENT/OPAR Version 2/JESTER/SYTGT057_Chemical_Storage_Bunkers.pptx
+++ b/UNDER DEVELOPMENT/OPAR Version 2/JESTER/SYTGT057_Chemical_Storage_Bunkers.pptx
@@ -109,7 +109,7 @@
   </p:defaultTextStyle>
   <p:extLst>
     <p:ext uri="{EFAFB233-063F-42B5-8137-9DF3F51BA10A}">
-      <p15:sldGuideLst xmlns:p15="http://schemas.microsoft.com/office/powerpoint/2012/main">
+      <p15:sldGuideLst xmlns:p15="http://schemas.microsoft.com/office/powerpoint/2012/main" xmlns="">
         <p15:guide id="1" orient="horz" pos="1620">
           <p15:clr>
             <a:srgbClr val="A4A3A4"/>
@@ -209,7 +209,7 @@
             <a:fld id="{40637A30-8EE1-4060-9976-8832FC89EE34}" type="datetimeFigureOut">
               <a:rPr lang="nb-NO" smtClean="0"/>
               <a:pPr/>
-              <a:t>02.01.2022</a:t>
+              <a:t>09.06.2022</a:t>
             </a:fld>
             <a:endParaRPr lang="nb-NO"/>
           </a:p>
